--- a/DOCS/FelineX Грибова.pptx
+++ b/DOCS/FelineX Грибова.pptx
@@ -7109,14 +7109,14 @@
           <p:nvPr>
             <p:extLst>
               <p:ext uri="{D42A27DB-BD31-4B8C-83A1-F6EECF244321}">
-                <p14:modId xmlns:p14="http://schemas.microsoft.com/office/powerpoint/2010/main" val="744425667"/>
+                <p14:modId xmlns:p14="http://schemas.microsoft.com/office/powerpoint/2010/main" val="825415758"/>
               </p:ext>
             </p:extLst>
           </p:nvPr>
         </p:nvGraphicFramePr>
         <p:xfrm>
-          <a:off x="899745" y="1980832"/>
-          <a:ext cx="10026756" cy="4428951"/>
+          <a:off x="321275" y="1669936"/>
+          <a:ext cx="11549450" cy="4790685"/>
         </p:xfrm>
         <a:graphic>
           <a:graphicData uri="http://schemas.openxmlformats.org/drawingml/2006/table">
@@ -7125,21 +7125,21 @@
                 <a:tableStyleId>{00A15C55-8517-42AA-B614-E9B94910E393}</a:tableStyleId>
               </a:tblPr>
               <a:tblGrid>
-                <a:gridCol w="1554088">
+                <a:gridCol w="1790097">
                   <a:extLst>
                     <a:ext uri="{9D8B030D-6E8A-4147-A177-3AD203B41FA5}">
                       <a16:colId xmlns:a16="http://schemas.microsoft.com/office/drawing/2014/main" val="3095254645"/>
                     </a:ext>
                   </a:extLst>
                 </a:gridCol>
-                <a:gridCol w="4201610">
+                <a:gridCol w="4839679">
                   <a:extLst>
                     <a:ext uri="{9D8B030D-6E8A-4147-A177-3AD203B41FA5}">
                       <a16:colId xmlns:a16="http://schemas.microsoft.com/office/drawing/2014/main" val="4117022311"/>
                     </a:ext>
                   </a:extLst>
                 </a:gridCol>
-                <a:gridCol w="4271058">
+                <a:gridCol w="4919674">
                   <a:extLst>
                     <a:ext uri="{9D8B030D-6E8A-4147-A177-3AD203B41FA5}">
                       <a16:colId xmlns:a16="http://schemas.microsoft.com/office/drawing/2014/main" val="1679861551"/>
@@ -7217,7 +7217,7 @@
                     <a:p>
                       <a:r>
                         <a:rPr lang="ru-RU" dirty="0"/>
-                        <a:t>Удаление аккаунта администратора</a:t>
+                        <a:t>В заданиях с 1 вариантом ответа отметили не правильный вариант ответа(намеренно), но он засчитался как правильный.</a:t>
                       </a:r>
                     </a:p>
                   </a:txBody>
@@ -7229,16 +7229,12 @@
                     <a:lstStyle/>
                     <a:p>
                       <a:r>
-                        <a:rPr lang="ru-RU" dirty="0"/>
-                        <a:t>Создание ограничения в коде</a:t>
-                      </a:r>
-                      <a:r>
-                        <a:rPr lang="en-US" dirty="0"/>
-                        <a:t>,</a:t>
+                        <a:rPr lang="ru-RU" dirty="0" err="1"/>
+                        <a:t>Пофискили</a:t>
                       </a:r>
                       <a:r>
                         <a:rPr lang="ru-RU" dirty="0"/>
-                        <a:t> препятствующий удалению администратора</a:t>
+                        <a:t> алгоритм проверяющий правильность теста.</a:t>
                       </a:r>
                     </a:p>
                   </a:txBody>
@@ -7271,7 +7267,15 @@
                     <a:p>
                       <a:r>
                         <a:rPr lang="ru-RU" dirty="0"/>
-                        <a:t>Не сохраняется подтверждение администратора</a:t>
+                        <a:t>Петля авторизации. Токен не успевал записываться через </a:t>
+                      </a:r>
+                      <a:r>
+                        <a:rPr lang="en-US" dirty="0"/>
+                        <a:t>JS </a:t>
+                      </a:r>
+                      <a:r>
+                        <a:rPr lang="ru-RU" dirty="0"/>
+                        <a:t>и мы переходили на страницу раньше времени.</a:t>
                       </a:r>
                     </a:p>
                   </a:txBody>
@@ -7284,7 +7288,15 @@
                     <a:p>
                       <a:r>
                         <a:rPr lang="ru-RU" dirty="0"/>
-                        <a:t>Добавление таблицы для записи всех заказов и бронирований</a:t>
+                        <a:t>Решается простым ожиданием и не появляется на </a:t>
+                      </a:r>
+                      <a:r>
+                        <a:rPr lang="en-US" dirty="0"/>
+                        <a:t>Desktop </a:t>
+                      </a:r>
+                      <a:r>
+                        <a:rPr lang="ru-RU" dirty="0"/>
+                        <a:t>из-за использования другого механизма.</a:t>
                       </a:r>
                     </a:p>
                   </a:txBody>
@@ -7317,7 +7329,31 @@
                     <a:p>
                       <a:r>
                         <a:rPr lang="ru-RU" dirty="0"/>
-                        <a:t>При изменении пароля в системе остается старый пароль</a:t>
+                        <a:t>Для не авторизованного пользователя на </a:t>
+                      </a:r>
+                      <a:r>
+                        <a:rPr lang="en-US" dirty="0"/>
+                        <a:t>Web </a:t>
+                      </a:r>
+                      <a:r>
+                        <a:rPr lang="ru-RU" dirty="0"/>
+                        <a:t>можно было просто в адресную строку вставить </a:t>
+                      </a:r>
+                      <a:r>
+                        <a:rPr lang="en-US" dirty="0"/>
+                        <a:t>Id</a:t>
+                      </a:r>
+                      <a:r>
+                        <a:rPr lang="ru-RU" dirty="0"/>
+                        <a:t>, но на </a:t>
+                      </a:r>
+                      <a:r>
+                        <a:rPr lang="en-US" dirty="0"/>
+                        <a:t>Desktop </a:t>
+                      </a:r>
+                      <a:r>
+                        <a:rPr lang="ru-RU" dirty="0"/>
+                        <a:t>нельзя руками перенаправить(от пользователя)</a:t>
                       </a:r>
                     </a:p>
                   </a:txBody>
@@ -7330,7 +7366,15 @@
                     <a:p>
                       <a:r>
                         <a:rPr lang="ru-RU" dirty="0"/>
-                        <a:t>Создание перезаписи старых данных не новые</a:t>
+                        <a:t>Добавили поле куда можно вставить нужный </a:t>
+                      </a:r>
+                      <a:r>
+                        <a:rPr lang="en-US" dirty="0" err="1"/>
+                        <a:t>testId</a:t>
+                      </a:r>
+                      <a:r>
+                        <a:rPr lang="ru-RU" dirty="0"/>
+                        <a:t>.</a:t>
                       </a:r>
                     </a:p>
                   </a:txBody>
@@ -7363,7 +7407,15 @@
                     <a:p>
                       <a:r>
                         <a:rPr lang="ru-RU" dirty="0"/>
-                        <a:t>При создании аккаунта в личном кабинете не видны данные(ФИО) пользователя</a:t>
+                        <a:t>Хешированный пароль с солью при передаче по </a:t>
+                      </a:r>
+                      <a:r>
+                        <a:rPr lang="en-US" dirty="0"/>
+                        <a:t>http </a:t>
+                      </a:r>
+                      <a:r>
+                        <a:rPr lang="ru-RU" dirty="0"/>
+                        <a:t>ломался. Все спец. символы терялись и в итоге не совпадали с данными в БД</a:t>
                       </a:r>
                     </a:p>
                   </a:txBody>
@@ -7376,15 +7428,29 @@
                     <a:p>
                       <a:r>
                         <a:rPr lang="ru-RU" dirty="0"/>
-                        <a:t>Добавление ФИО в личный кабинет для демонстрации</a:t>
+                        <a:t>Попытка 1: </a:t>
+                      </a:r>
+                      <a:r>
+                        <a:rPr lang="en-US" dirty="0" err="1"/>
+                        <a:t>url</a:t>
+                      </a:r>
+                      <a:r>
+                        <a:rPr lang="ru-RU" dirty="0"/>
+                        <a:t> </a:t>
                       </a:r>
                       <a:r>
                         <a:rPr lang="en-US" dirty="0"/>
-                        <a:t>, </a:t>
+                        <a:t>encoding</a:t>
                       </a:r>
                       <a:r>
                         <a:rPr lang="ru-RU" dirty="0"/>
-                        <a:t>чей это аккаунт</a:t>
+                        <a:t>. Кодирование символов.</a:t>
+                      </a:r>
+                    </a:p>
+                    <a:p>
+                      <a:r>
+                        <a:rPr lang="ru-RU" dirty="0"/>
+                        <a:t>Попытка 2: убрать соль из алгоритма</a:t>
                       </a:r>
                     </a:p>
                   </a:txBody>
@@ -7505,7 +7571,7 @@
         <p:grpSpPr>
           <a:xfrm>
             <a:off x="475900" y="1087168"/>
-            <a:ext cx="11031737" cy="4899564"/>
+            <a:ext cx="11031737" cy="5414216"/>
             <a:chOff x="609600" y="1630756"/>
             <a:chExt cx="10972800" cy="4479366"/>
           </a:xfrm>
@@ -7732,14 +7798,14 @@
           <p:nvPr>
             <p:extLst>
               <p:ext uri="{D42A27DB-BD31-4B8C-83A1-F6EECF244321}">
-                <p14:modId xmlns:p14="http://schemas.microsoft.com/office/powerpoint/2010/main" val="4035725954"/>
+                <p14:modId xmlns:p14="http://schemas.microsoft.com/office/powerpoint/2010/main" val="2265232010"/>
               </p:ext>
             </p:extLst>
           </p:nvPr>
         </p:nvGraphicFramePr>
         <p:xfrm>
-          <a:off x="6819647" y="3331756"/>
-          <a:ext cx="3989250" cy="2108488"/>
+          <a:off x="6517486" y="3331756"/>
+          <a:ext cx="4738778" cy="3050756"/>
         </p:xfrm>
         <a:graphic>
           <a:graphicData uri="http://schemas.openxmlformats.org/drawingml/2006/table">
@@ -7748,50 +7814,36 @@
                 <a:tableStyleId>{00A15C55-8517-42AA-B614-E9B94910E393}</a:tableStyleId>
               </a:tblPr>
               <a:tblGrid>
-                <a:gridCol w="2315727">
+                <a:gridCol w="2341892">
                   <a:extLst>
                     <a:ext uri="{9D8B030D-6E8A-4147-A177-3AD203B41FA5}">
                       <a16:colId xmlns:a16="http://schemas.microsoft.com/office/drawing/2014/main" val="139710065"/>
                     </a:ext>
                   </a:extLst>
                 </a:gridCol>
-                <a:gridCol w="336430">
+                <a:gridCol w="798962">
                   <a:extLst>
                     <a:ext uri="{9D8B030D-6E8A-4147-A177-3AD203B41FA5}">
                       <a16:colId xmlns:a16="http://schemas.microsoft.com/office/drawing/2014/main" val="1998433567"/>
                     </a:ext>
                   </a:extLst>
                 </a:gridCol>
-                <a:gridCol w="327804">
+                <a:gridCol w="798962">
                   <a:extLst>
                     <a:ext uri="{9D8B030D-6E8A-4147-A177-3AD203B41FA5}">
                       <a16:colId xmlns:a16="http://schemas.microsoft.com/office/drawing/2014/main" val="2663146015"/>
                     </a:ext>
                   </a:extLst>
                 </a:gridCol>
-                <a:gridCol w="310550">
+                <a:gridCol w="798962">
                   <a:extLst>
                     <a:ext uri="{9D8B030D-6E8A-4147-A177-3AD203B41FA5}">
                       <a16:colId xmlns:a16="http://schemas.microsoft.com/office/drawing/2014/main" val="4216679145"/>
                     </a:ext>
                   </a:extLst>
                 </a:gridCol>
-                <a:gridCol w="319178">
-                  <a:extLst>
-                    <a:ext uri="{9D8B030D-6E8A-4147-A177-3AD203B41FA5}">
-                      <a16:colId xmlns:a16="http://schemas.microsoft.com/office/drawing/2014/main" val="1309677306"/>
-                    </a:ext>
-                  </a:extLst>
-                </a:gridCol>
-                <a:gridCol w="379561">
-                  <a:extLst>
-                    <a:ext uri="{9D8B030D-6E8A-4147-A177-3AD203B41FA5}">
-                      <a16:colId xmlns:a16="http://schemas.microsoft.com/office/drawing/2014/main" val="4013002455"/>
-                    </a:ext>
-                  </a:extLst>
-                </a:gridCol>
               </a:tblGrid>
-              <a:tr h="216245">
+              <a:tr h="400996">
                 <a:tc>
                   <a:txBody>
                     <a:bodyPr/>
@@ -7820,12 +7872,37 @@
                     <a:p>
                       <a:pPr algn="ctr"/>
                       <a:r>
-                        <a:rPr lang="en-US" sz="1200">
+                        <a:rPr lang="en-US" sz="1200" dirty="0">
                           <a:effectLst/>
+                          <a:latin typeface="Times New Roman" panose="02020603050405020304" pitchFamily="18" charset="0"/>
+                          <a:ea typeface="Times New Roman" panose="02020603050405020304" pitchFamily="18" charset="0"/>
                         </a:rPr>
-                        <a:t>1</a:t>
+                        <a:t>Google Forms</a:t>
                       </a:r>
-                      <a:endParaRPr lang="ru-RU" sz="1200">
+                      <a:endParaRPr lang="ru-RU" sz="1200" dirty="0">
+                        <a:effectLst/>
+                        <a:latin typeface="Times New Roman" panose="02020603050405020304" pitchFamily="18" charset="0"/>
+                        <a:ea typeface="Times New Roman" panose="02020603050405020304" pitchFamily="18" charset="0"/>
+                      </a:endParaRPr>
+                    </a:p>
+                  </a:txBody>
+                  <a:tcPr marL="68580" marR="68580" marT="0" marB="0" anchor="ctr"/>
+                </a:tc>
+                <a:tc>
+                  <a:txBody>
+                    <a:bodyPr/>
+                    <a:lstStyle/>
+                    <a:p>
+                      <a:pPr algn="ctr"/>
+                      <a:r>
+                        <a:rPr lang="en-US" sz="1200" dirty="0" err="1">
+                          <a:effectLst/>
+                          <a:latin typeface="Times New Roman" panose="02020603050405020304" pitchFamily="18" charset="0"/>
+                          <a:ea typeface="Times New Roman" panose="02020603050405020304" pitchFamily="18" charset="0"/>
+                        </a:rPr>
+                        <a:t>Stepik</a:t>
+                      </a:r>
+                      <a:endParaRPr lang="ru-RU" sz="1200" dirty="0">
                         <a:effectLst/>
                         <a:latin typeface="Times New Roman" panose="02020603050405020304" pitchFamily="18" charset="0"/>
                         <a:ea typeface="Times New Roman" panose="02020603050405020304" pitchFamily="18" charset="0"/>
@@ -7843,73 +7920,20 @@
                       <a:r>
                         <a:rPr lang="en-US" sz="1200" dirty="0">
                           <a:effectLst/>
+                          <a:latin typeface="Times New Roman" panose="02020603050405020304" pitchFamily="18" charset="0"/>
+                          <a:ea typeface="Times New Roman" panose="02020603050405020304" pitchFamily="18" charset="0"/>
                         </a:rPr>
-                        <a:t>2</a:t>
+                        <a:t>Online </a:t>
+                      </a:r>
+                      <a:r>
+                        <a:rPr lang="en-US" sz="1200" dirty="0" err="1">
+                          <a:effectLst/>
+                          <a:latin typeface="Times New Roman" panose="02020603050405020304" pitchFamily="18" charset="0"/>
+                          <a:ea typeface="Times New Roman" panose="02020603050405020304" pitchFamily="18" charset="0"/>
+                        </a:rPr>
+                        <a:t>testpad</a:t>
                       </a:r>
                       <a:endParaRPr lang="ru-RU" sz="1200" dirty="0">
-                        <a:effectLst/>
-                        <a:latin typeface="Times New Roman" panose="02020603050405020304" pitchFamily="18" charset="0"/>
-                        <a:ea typeface="Times New Roman" panose="02020603050405020304" pitchFamily="18" charset="0"/>
-                      </a:endParaRPr>
-                    </a:p>
-                  </a:txBody>
-                  <a:tcPr marL="68580" marR="68580" marT="0" marB="0" anchor="ctr"/>
-                </a:tc>
-                <a:tc>
-                  <a:txBody>
-                    <a:bodyPr/>
-                    <a:lstStyle/>
-                    <a:p>
-                      <a:pPr algn="ctr"/>
-                      <a:r>
-                        <a:rPr lang="en-US" sz="1200">
-                          <a:effectLst/>
-                        </a:rPr>
-                        <a:t>3</a:t>
-                      </a:r>
-                      <a:endParaRPr lang="ru-RU" sz="1200">
-                        <a:effectLst/>
-                        <a:latin typeface="Times New Roman" panose="02020603050405020304" pitchFamily="18" charset="0"/>
-                        <a:ea typeface="Times New Roman" panose="02020603050405020304" pitchFamily="18" charset="0"/>
-                      </a:endParaRPr>
-                    </a:p>
-                  </a:txBody>
-                  <a:tcPr marL="68580" marR="68580" marT="0" marB="0" anchor="ctr"/>
-                </a:tc>
-                <a:tc>
-                  <a:txBody>
-                    <a:bodyPr/>
-                    <a:lstStyle/>
-                    <a:p>
-                      <a:pPr algn="ctr"/>
-                      <a:r>
-                        <a:rPr lang="en-US" sz="1200">
-                          <a:effectLst/>
-                        </a:rPr>
-                        <a:t>4</a:t>
-                      </a:r>
-                      <a:endParaRPr lang="ru-RU" sz="1200">
-                        <a:effectLst/>
-                        <a:latin typeface="Times New Roman" panose="02020603050405020304" pitchFamily="18" charset="0"/>
-                        <a:ea typeface="Times New Roman" panose="02020603050405020304" pitchFamily="18" charset="0"/>
-                      </a:endParaRPr>
-                    </a:p>
-                  </a:txBody>
-                  <a:tcPr marL="68580" marR="68580" marT="0" marB="0" anchor="ctr"/>
-                </a:tc>
-                <a:tc>
-                  <a:txBody>
-                    <a:bodyPr/>
-                    <a:lstStyle/>
-                    <a:p>
-                      <a:pPr algn="ctr"/>
-                      <a:r>
-                        <a:rPr lang="en-US" sz="1200">
-                          <a:effectLst/>
-                        </a:rPr>
-                        <a:t>5</a:t>
-                      </a:r>
-                      <a:endParaRPr lang="ru-RU" sz="1200">
                         <a:effectLst/>
                         <a:latin typeface="Times New Roman" panose="02020603050405020304" pitchFamily="18" charset="0"/>
                         <a:ea typeface="Times New Roman" panose="02020603050405020304" pitchFamily="18" charset="0"/>
@@ -7924,7 +7948,7 @@
                   </a:ext>
                 </a:extLst>
               </a:tr>
-              <a:tr h="216245">
+              <a:tr h="662440">
                 <a:tc>
                   <a:txBody>
                     <a:bodyPr/>
@@ -7953,12 +7977,14 @@
                     <a:p>
                       <a:pPr algn="ctr"/>
                       <a:r>
-                        <a:rPr lang="ru-RU" sz="1200">
+                        <a:rPr lang="en-US" sz="1200" dirty="0">
                           <a:effectLst/>
+                          <a:latin typeface="Times New Roman" panose="02020603050405020304" pitchFamily="18" charset="0"/>
+                          <a:ea typeface="Times New Roman" panose="02020603050405020304" pitchFamily="18" charset="0"/>
                         </a:rPr>
-                        <a:t>-</a:t>
+                        <a:t>+</a:t>
                       </a:r>
-                      <a:endParaRPr lang="ru-RU" sz="1200">
+                      <a:endParaRPr lang="ru-RU" sz="1200" dirty="0">
                         <a:effectLst/>
                         <a:latin typeface="Times New Roman" panose="02020603050405020304" pitchFamily="18" charset="0"/>
                         <a:ea typeface="Times New Roman" panose="02020603050405020304" pitchFamily="18" charset="0"/>
@@ -7974,54 +8000,14 @@
                     <a:p>
                       <a:pPr algn="ctr"/>
                       <a:r>
-                        <a:rPr lang="en-US" sz="1200">
+                        <a:rPr lang="en-US" sz="1200" dirty="0">
                           <a:effectLst/>
+                          <a:latin typeface="Times New Roman" panose="02020603050405020304" pitchFamily="18" charset="0"/>
+                          <a:ea typeface="Times New Roman" panose="02020603050405020304" pitchFamily="18" charset="0"/>
                         </a:rPr>
-                        <a:t>-</a:t>
+                        <a:t>+</a:t>
                       </a:r>
-                      <a:endParaRPr lang="ru-RU" sz="1200">
-                        <a:effectLst/>
-                        <a:latin typeface="Times New Roman" panose="02020603050405020304" pitchFamily="18" charset="0"/>
-                        <a:ea typeface="Times New Roman" panose="02020603050405020304" pitchFamily="18" charset="0"/>
-                      </a:endParaRPr>
-                    </a:p>
-                  </a:txBody>
-                  <a:tcPr marL="68580" marR="68580" marT="0" marB="0" anchor="ctr"/>
-                </a:tc>
-                <a:tc>
-                  <a:txBody>
-                    <a:bodyPr/>
-                    <a:lstStyle/>
-                    <a:p>
-                      <a:pPr algn="ctr"/>
-                      <a:r>
-                        <a:rPr lang="en-US" sz="1200">
-                          <a:effectLst/>
-                        </a:rPr>
-                        <a:t>-</a:t>
-                      </a:r>
-                      <a:endParaRPr lang="ru-RU" sz="1200">
-                        <a:effectLst/>
-                        <a:latin typeface="Times New Roman" panose="02020603050405020304" pitchFamily="18" charset="0"/>
-                        <a:ea typeface="Times New Roman" panose="02020603050405020304" pitchFamily="18" charset="0"/>
-                      </a:endParaRPr>
-                    </a:p>
-                  </a:txBody>
-                  <a:tcPr marL="68580" marR="68580" marT="0" marB="0" anchor="ctr"/>
-                </a:tc>
-                <a:tc>
-                  <a:txBody>
-                    <a:bodyPr/>
-                    <a:lstStyle/>
-                    <a:p>
-                      <a:pPr algn="ctr"/>
-                      <a:r>
-                        <a:rPr lang="en-US" sz="1200">
-                          <a:effectLst/>
-                        </a:rPr>
-                        <a:t>-</a:t>
-                      </a:r>
-                      <a:endParaRPr lang="ru-RU" sz="1200">
+                      <a:endParaRPr lang="ru-RU" sz="1200" dirty="0">
                         <a:effectLst/>
                         <a:latin typeface="Times New Roman" panose="02020603050405020304" pitchFamily="18" charset="0"/>
                         <a:ea typeface="Times New Roman" panose="02020603050405020304" pitchFamily="18" charset="0"/>
@@ -8057,7 +8043,7 @@
                   </a:ext>
                 </a:extLst>
               </a:tr>
-              <a:tr h="316941">
+              <a:tr h="662440">
                 <a:tc>
                   <a:txBody>
                     <a:bodyPr/>
@@ -8110,52 +8096,12 @@
                     <a:p>
                       <a:pPr algn="ctr"/>
                       <a:r>
-                        <a:rPr lang="ru-RU" sz="1200">
+                        <a:rPr lang="en-US" sz="1200" dirty="0">
                           <a:effectLst/>
+                          <a:latin typeface="Times New Roman" panose="02020603050405020304" pitchFamily="18" charset="0"/>
+                          <a:ea typeface="Times New Roman" panose="02020603050405020304" pitchFamily="18" charset="0"/>
                         </a:rPr>
-                        <a:t>+</a:t>
-                      </a:r>
-                      <a:endParaRPr lang="ru-RU" sz="1200">
-                        <a:effectLst/>
-                        <a:latin typeface="Times New Roman" panose="02020603050405020304" pitchFamily="18" charset="0"/>
-                        <a:ea typeface="Times New Roman" panose="02020603050405020304" pitchFamily="18" charset="0"/>
-                      </a:endParaRPr>
-                    </a:p>
-                  </a:txBody>
-                  <a:tcPr marL="68580" marR="68580" marT="0" marB="0" anchor="ctr"/>
-                </a:tc>
-                <a:tc>
-                  <a:txBody>
-                    <a:bodyPr/>
-                    <a:lstStyle/>
-                    <a:p>
-                      <a:pPr algn="ctr"/>
-                      <a:r>
-                        <a:rPr lang="ru-RU" sz="1200">
-                          <a:effectLst/>
-                        </a:rPr>
-                        <a:t>+</a:t>
-                      </a:r>
-                      <a:endParaRPr lang="ru-RU" sz="1200">
-                        <a:effectLst/>
-                        <a:latin typeface="Times New Roman" panose="02020603050405020304" pitchFamily="18" charset="0"/>
-                        <a:ea typeface="Times New Roman" panose="02020603050405020304" pitchFamily="18" charset="0"/>
-                      </a:endParaRPr>
-                    </a:p>
-                  </a:txBody>
-                  <a:tcPr marL="68580" marR="68580" marT="0" marB="0" anchor="ctr"/>
-                </a:tc>
-                <a:tc>
-                  <a:txBody>
-                    <a:bodyPr/>
-                    <a:lstStyle/>
-                    <a:p>
-                      <a:pPr algn="ctr"/>
-                      <a:r>
-                        <a:rPr lang="ru-RU" sz="1200" dirty="0">
-                          <a:effectLst/>
-                        </a:rPr>
-                        <a:t>+</a:t>
+                        <a:t>-</a:t>
                       </a:r>
                       <a:endParaRPr lang="ru-RU" sz="1200" dirty="0">
                         <a:effectLst/>
@@ -8194,12 +8140,14 @@
                     <a:p>
                       <a:pPr algn="ctr"/>
                       <a:r>
-                        <a:rPr lang="ru-RU" sz="1200">
+                        <a:rPr lang="en-US" sz="1200" dirty="0">
                           <a:effectLst/>
+                          <a:latin typeface="Times New Roman" panose="02020603050405020304" pitchFamily="18" charset="0"/>
+                          <a:ea typeface="Times New Roman" panose="02020603050405020304" pitchFamily="18" charset="0"/>
                         </a:rPr>
-                        <a:t>+</a:t>
+                        <a:t>-</a:t>
                       </a:r>
-                      <a:endParaRPr lang="ru-RU" sz="1200">
+                      <a:endParaRPr lang="ru-RU" sz="1200" dirty="0">
                         <a:effectLst/>
                         <a:latin typeface="Times New Roman" panose="02020603050405020304" pitchFamily="18" charset="0"/>
                         <a:ea typeface="Times New Roman" panose="02020603050405020304" pitchFamily="18" charset="0"/>
@@ -8214,7 +8162,7 @@
                   </a:ext>
                 </a:extLst>
               </a:tr>
-              <a:tr h="432447">
+              <a:tr h="662440">
                 <a:tc>
                   <a:txBody>
                     <a:bodyPr/>
@@ -8243,12 +8191,12 @@
                     <a:p>
                       <a:pPr algn="ctr"/>
                       <a:r>
-                        <a:rPr lang="ru-RU" sz="1200">
+                        <a:rPr lang="ru-RU" sz="1200" dirty="0">
                           <a:effectLst/>
                         </a:rPr>
                         <a:t>+</a:t>
                       </a:r>
-                      <a:endParaRPr lang="ru-RU" sz="1200">
+                      <a:endParaRPr lang="ru-RU" sz="1200" dirty="0">
                         <a:effectLst/>
                         <a:latin typeface="Times New Roman" panose="02020603050405020304" pitchFamily="18" charset="0"/>
                         <a:ea typeface="Times New Roman" panose="02020603050405020304" pitchFamily="18" charset="0"/>
@@ -8299,55 +8247,13 @@
                   </a:txBody>
                   <a:tcPr marL="68580" marR="68580" marT="0" marB="0" anchor="ctr"/>
                 </a:tc>
-                <a:tc>
-                  <a:txBody>
-                    <a:bodyPr/>
-                    <a:lstStyle/>
-                    <a:p>
-                      <a:pPr algn="ctr"/>
-                      <a:r>
-                        <a:rPr lang="ru-RU" sz="1200">
-                          <a:effectLst/>
-                        </a:rPr>
-                        <a:t>+</a:t>
-                      </a:r>
-                      <a:endParaRPr lang="ru-RU" sz="1200">
-                        <a:effectLst/>
-                        <a:latin typeface="Times New Roman" panose="02020603050405020304" pitchFamily="18" charset="0"/>
-                        <a:ea typeface="Times New Roman" panose="02020603050405020304" pitchFamily="18" charset="0"/>
-                      </a:endParaRPr>
-                    </a:p>
-                  </a:txBody>
-                  <a:tcPr marL="68580" marR="68580" marT="0" marB="0" anchor="ctr"/>
-                </a:tc>
-                <a:tc>
-                  <a:txBody>
-                    <a:bodyPr/>
-                    <a:lstStyle/>
-                    <a:p>
-                      <a:pPr algn="ctr"/>
-                      <a:r>
-                        <a:rPr lang="ru-RU" sz="1200">
-                          <a:effectLst/>
-                        </a:rPr>
-                        <a:t>+</a:t>
-                      </a:r>
-                      <a:endParaRPr lang="ru-RU" sz="1200">
-                        <a:effectLst/>
-                        <a:latin typeface="Times New Roman" panose="02020603050405020304" pitchFamily="18" charset="0"/>
-                        <a:ea typeface="Times New Roman" panose="02020603050405020304" pitchFamily="18" charset="0"/>
-                      </a:endParaRPr>
-                    </a:p>
-                  </a:txBody>
-                  <a:tcPr marL="68580" marR="68580" marT="0" marB="0" anchor="ctr"/>
-                </a:tc>
                 <a:extLst>
                   <a:ext uri="{0D108BD9-81ED-4DB2-BD59-A6C34878D82A}">
                     <a16:rowId xmlns:a16="http://schemas.microsoft.com/office/drawing/2014/main" val="3471427074"/>
                   </a:ext>
                 </a:extLst>
               </a:tr>
-              <a:tr h="463305">
+              <a:tr h="662440">
                 <a:tc>
                   <a:txBody>
                     <a:bodyPr/>
@@ -8421,54 +8327,12 @@
                     <a:p>
                       <a:pPr algn="ctr"/>
                       <a:r>
-                        <a:rPr lang="ru-RU" sz="1200">
-                          <a:effectLst/>
-                        </a:rPr>
-                        <a:t>+</a:t>
-                      </a:r>
-                      <a:endParaRPr lang="ru-RU" sz="1200">
-                        <a:effectLst/>
-                        <a:latin typeface="Times New Roman" panose="02020603050405020304" pitchFamily="18" charset="0"/>
-                        <a:ea typeface="Times New Roman" panose="02020603050405020304" pitchFamily="18" charset="0"/>
-                      </a:endParaRPr>
-                    </a:p>
-                  </a:txBody>
-                  <a:tcPr marL="68580" marR="68580" marT="0" marB="0" anchor="ctr"/>
-                </a:tc>
-                <a:tc>
-                  <a:txBody>
-                    <a:bodyPr/>
-                    <a:lstStyle/>
-                    <a:p>
-                      <a:pPr algn="ctr"/>
-                      <a:r>
                         <a:rPr lang="ru-RU" sz="1200" dirty="0">
                           <a:effectLst/>
                         </a:rPr>
                         <a:t>+</a:t>
                       </a:r>
                       <a:endParaRPr lang="ru-RU" sz="1200" dirty="0">
-                        <a:effectLst/>
-                        <a:latin typeface="Times New Roman" panose="02020603050405020304" pitchFamily="18" charset="0"/>
-                        <a:ea typeface="Times New Roman" panose="02020603050405020304" pitchFamily="18" charset="0"/>
-                      </a:endParaRPr>
-                    </a:p>
-                  </a:txBody>
-                  <a:tcPr marL="68580" marR="68580" marT="0" marB="0" anchor="ctr"/>
-                </a:tc>
-                <a:tc>
-                  <a:txBody>
-                    <a:bodyPr/>
-                    <a:lstStyle/>
-                    <a:p>
-                      <a:pPr algn="ctr"/>
-                      <a:r>
-                        <a:rPr lang="ru-RU" sz="1200">
-                          <a:effectLst/>
-                        </a:rPr>
-                        <a:t>+</a:t>
-                      </a:r>
-                      <a:endParaRPr lang="ru-RU" sz="1200">
                         <a:effectLst/>
                         <a:latin typeface="Times New Roman" panose="02020603050405020304" pitchFamily="18" charset="0"/>
                         <a:ea typeface="Times New Roman" panose="02020603050405020304" pitchFamily="18" charset="0"/>
@@ -8504,103 +8368,6 @@
                   </a:ext>
                 </a:extLst>
               </a:tr>
-              <a:tr h="463305">
-                <a:tc>
-                  <a:txBody>
-                    <a:bodyPr/>
-                    <a:lstStyle/>
-                    <a:p>
-                      <a:pPr algn="ctr"/>
-                      <a:endParaRPr lang="ru-RU" sz="1200" dirty="0">
-                        <a:effectLst/>
-                        <a:latin typeface="Times New Roman" panose="02020603050405020304" pitchFamily="18" charset="0"/>
-                        <a:ea typeface="Times New Roman" panose="02020603050405020304" pitchFamily="18" charset="0"/>
-                      </a:endParaRPr>
-                    </a:p>
-                  </a:txBody>
-                  <a:tcPr marL="68580" marR="68580" marT="0" marB="0" anchor="ctr"/>
-                </a:tc>
-                <a:tc>
-                  <a:txBody>
-                    <a:bodyPr/>
-                    <a:lstStyle/>
-                    <a:p>
-                      <a:pPr algn="ctr"/>
-                      <a:endParaRPr lang="ru-RU" sz="1200" dirty="0">
-                        <a:effectLst/>
-                        <a:latin typeface="Times New Roman" panose="02020603050405020304" pitchFamily="18" charset="0"/>
-                        <a:ea typeface="Times New Roman" panose="02020603050405020304" pitchFamily="18" charset="0"/>
-                      </a:endParaRPr>
-                    </a:p>
-                  </a:txBody>
-                  <a:tcPr marL="68580" marR="68580" marT="0" marB="0" anchor="ctr"/>
-                </a:tc>
-                <a:tc>
-                  <a:txBody>
-                    <a:bodyPr/>
-                    <a:lstStyle/>
-                    <a:p>
-                      <a:pPr algn="ctr"/>
-                      <a:endParaRPr lang="ru-RU" sz="1200" dirty="0">
-                        <a:effectLst/>
-                        <a:latin typeface="Times New Roman" panose="02020603050405020304" pitchFamily="18" charset="0"/>
-                        <a:ea typeface="Times New Roman" panose="02020603050405020304" pitchFamily="18" charset="0"/>
-                      </a:endParaRPr>
-                    </a:p>
-                  </a:txBody>
-                  <a:tcPr marL="68580" marR="68580" marT="0" marB="0" anchor="ctr"/>
-                </a:tc>
-                <a:tc>
-                  <a:txBody>
-                    <a:bodyPr/>
-                    <a:lstStyle/>
-                    <a:p>
-                      <a:pPr algn="ctr"/>
-                      <a:endParaRPr lang="ru-RU" sz="1200" dirty="0">
-                        <a:effectLst/>
-                        <a:latin typeface="Times New Roman" panose="02020603050405020304" pitchFamily="18" charset="0"/>
-                        <a:ea typeface="Times New Roman" panose="02020603050405020304" pitchFamily="18" charset="0"/>
-                      </a:endParaRPr>
-                    </a:p>
-                  </a:txBody>
-                  <a:tcPr marL="68580" marR="68580" marT="0" marB="0" anchor="ctr"/>
-                </a:tc>
-                <a:tc>
-                  <a:txBody>
-                    <a:bodyPr/>
-                    <a:lstStyle/>
-                    <a:p>
-                      <a:pPr algn="ctr"/>
-                      <a:endParaRPr lang="ru-RU" sz="1200" dirty="0">
-                        <a:effectLst/>
-                        <a:latin typeface="Times New Roman" panose="02020603050405020304" pitchFamily="18" charset="0"/>
-                        <a:ea typeface="Times New Roman" panose="02020603050405020304" pitchFamily="18" charset="0"/>
-                      </a:endParaRPr>
-                    </a:p>
-                  </a:txBody>
-                  <a:tcPr marL="68580" marR="68580" marT="0" marB="0" anchor="ctr"/>
-                </a:tc>
-                <a:tc>
-                  <a:txBody>
-                    <a:bodyPr/>
-                    <a:lstStyle/>
-                    <a:p>
-                      <a:pPr algn="ctr"/>
-                      <a:endParaRPr lang="ru-RU" sz="1200" dirty="0">
-                        <a:effectLst/>
-                        <a:latin typeface="Times New Roman" panose="02020603050405020304" pitchFamily="18" charset="0"/>
-                        <a:ea typeface="Times New Roman" panose="02020603050405020304" pitchFamily="18" charset="0"/>
-                      </a:endParaRPr>
-                    </a:p>
-                  </a:txBody>
-                  <a:tcPr marL="68580" marR="68580" marT="0" marB="0" anchor="ctr"/>
-                </a:tc>
-                <a:extLst>
-                  <a:ext uri="{0D108BD9-81ED-4DB2-BD59-A6C34878D82A}">
-                    <a16:rowId xmlns:a16="http://schemas.microsoft.com/office/drawing/2014/main" val="4092554501"/>
-                  </a:ext>
-                </a:extLst>
-              </a:tr>
             </a:tbl>
           </a:graphicData>
         </a:graphic>
@@ -8668,7 +8435,7 @@
         </p:nvSpPr>
         <p:spPr>
           <a:xfrm>
-            <a:off x="762000" y="3429000"/>
+            <a:off x="790875" y="3865088"/>
             <a:ext cx="5411637" cy="1992661"/>
           </a:xfrm>
           <a:prstGeom prst="rect">
@@ -8744,11 +8511,17 @@
             </a:r>
             <a:r>
               <a:rPr lang="en-US" sz="1400" dirty="0">
-                <a:effectLst/>
                 <a:latin typeface="Times New Roman" panose="02020603050405020304" pitchFamily="18" charset="0"/>
                 <a:ea typeface="Times New Roman" panose="02020603050405020304" pitchFamily="18" charset="0"/>
               </a:rPr>
               <a:t> </a:t>
+            </a:r>
+            <a:r>
+              <a:rPr lang="ru-RU" sz="1400" dirty="0">
+                <a:latin typeface="Times New Roman" panose="02020603050405020304" pitchFamily="18" charset="0"/>
+                <a:ea typeface="Times New Roman" panose="02020603050405020304" pitchFamily="18" charset="0"/>
+              </a:rPr>
+              <a:t>и просматривать результаты</a:t>
             </a:r>
             <a:r>
               <a:rPr lang="ru-RU" sz="1400" dirty="0">
@@ -8756,7 +8529,22 @@
                 <a:latin typeface="Times New Roman" panose="02020603050405020304" pitchFamily="18" charset="0"/>
                 <a:ea typeface="Yu Mincho" panose="02020400000000000000" pitchFamily="18" charset="-128"/>
               </a:rPr>
-              <a:t>. Программное обеспечение должно позволять просматривать список студентов, готовых тестов и обладать простым интерфейсом. </a:t>
+              <a:t>. Программное обеспечение должно позволять просматривать список тестов, </a:t>
+            </a:r>
+            <a:r>
+              <a:rPr lang="ru-RU" sz="1400" dirty="0">
+                <a:latin typeface="Times New Roman" panose="02020603050405020304" pitchFamily="18" charset="0"/>
+                <a:ea typeface="Yu Mincho" panose="02020400000000000000" pitchFamily="18" charset="-128"/>
+              </a:rPr>
+              <a:t>их </a:t>
+            </a:r>
+            <a:r>
+              <a:rPr lang="ru-RU" sz="1400" dirty="0">
+                <a:effectLst/>
+                <a:latin typeface="Times New Roman" panose="02020603050405020304" pitchFamily="18" charset="0"/>
+                <a:ea typeface="Yu Mincho" panose="02020400000000000000" pitchFamily="18" charset="-128"/>
+              </a:rPr>
+              <a:t>решений и обладать простым интерфейсом.</a:t>
             </a:r>
           </a:p>
         </p:txBody>
@@ -9571,14 +9359,12 @@
 </file>
 
 <file path=customXml/item1.xml><?xml version="1.0" encoding="utf-8"?>
-<p:properties xmlns:p="http://schemas.microsoft.com/office/2006/metadata/properties" xmlns:xsi="http://www.w3.org/2001/XMLSchema-instance" xmlns:pc="http://schemas.microsoft.com/office/infopath/2007/PartnerControls">
-  <documentManagement>
-    <lcf76f155ced4ddcb4097134ff3c332f xmlns="31348c50-4831-40d6-b1fe-33df22aaece1">
-      <Terms xmlns="http://schemas.microsoft.com/office/infopath/2007/PartnerControls"/>
-    </lcf76f155ced4ddcb4097134ff3c332f>
-    <TaxCatchAll xmlns="8fcf9416-4c9d-432a-8cd1-358b0ba3c56e" xsi:nil="true"/>
-  </documentManagement>
-</p:properties>
+<?mso-contentType ?>
+<FormTemplates xmlns="http://schemas.microsoft.com/sharepoint/v3/contenttype/forms">
+  <Display>DocumentLibraryForm</Display>
+  <Edit>DocumentLibraryForm</Edit>
+  <New>DocumentLibraryForm</New>
+</FormTemplates>
 </file>
 
 <file path=customXml/item2.xml><?xml version="1.0" encoding="utf-8"?>
@@ -9771,27 +9557,20 @@
 </file>
 
 <file path=customXml/item3.xml><?xml version="1.0" encoding="utf-8"?>
-<?mso-contentType ?>
-<FormTemplates xmlns="http://schemas.microsoft.com/sharepoint/v3/contenttype/forms">
-  <Display>DocumentLibraryForm</Display>
-  <Edit>DocumentLibraryForm</Edit>
-  <New>DocumentLibraryForm</New>
-</FormTemplates>
+<p:properties xmlns:p="http://schemas.microsoft.com/office/2006/metadata/properties" xmlns:xsi="http://www.w3.org/2001/XMLSchema-instance" xmlns:pc="http://schemas.microsoft.com/office/infopath/2007/PartnerControls">
+  <documentManagement>
+    <lcf76f155ced4ddcb4097134ff3c332f xmlns="31348c50-4831-40d6-b1fe-33df22aaece1">
+      <Terms xmlns="http://schemas.microsoft.com/office/infopath/2007/PartnerControls"/>
+    </lcf76f155ced4ddcb4097134ff3c332f>
+    <TaxCatchAll xmlns="8fcf9416-4c9d-432a-8cd1-358b0ba3c56e" xsi:nil="true"/>
+  </documentManagement>
+</p:properties>
 </file>
 
 <file path=customXml/itemProps1.xml><?xml version="1.0" encoding="utf-8"?>
-<ds:datastoreItem xmlns:ds="http://schemas.openxmlformats.org/officeDocument/2006/customXml" ds:itemID="{DB16C309-910A-45C7-874E-1083F6DC6EB3}">
+<ds:datastoreItem xmlns:ds="http://schemas.openxmlformats.org/officeDocument/2006/customXml" ds:itemID="{0C6572ED-F221-4FBB-AA47-348FA0A96BFD}">
   <ds:schemaRefs>
-    <ds:schemaRef ds:uri="8fcf9416-4c9d-432a-8cd1-358b0ba3c56e"/>
-    <ds:schemaRef ds:uri="http://purl.org/dc/terms/"/>
-    <ds:schemaRef ds:uri="http://schemas.openxmlformats.org/package/2006/metadata/core-properties"/>
-    <ds:schemaRef ds:uri="http://purl.org/dc/dcmitype/"/>
-    <ds:schemaRef ds:uri="http://schemas.microsoft.com/office/infopath/2007/PartnerControls"/>
-    <ds:schemaRef ds:uri="http://schemas.microsoft.com/office/2006/documentManagement/types"/>
-    <ds:schemaRef ds:uri="http://schemas.microsoft.com/office/2006/metadata/properties"/>
-    <ds:schemaRef ds:uri="31348c50-4831-40d6-b1fe-33df22aaece1"/>
-    <ds:schemaRef ds:uri="http://www.w3.org/XML/1998/namespace"/>
-    <ds:schemaRef ds:uri="http://purl.org/dc/elements/1.1/"/>
+    <ds:schemaRef ds:uri="http://schemas.microsoft.com/sharepoint/v3/contenttype/forms"/>
   </ds:schemaRefs>
 </ds:datastoreItem>
 </file>
@@ -9816,9 +9595,18 @@
 </file>
 
 <file path=customXml/itemProps3.xml><?xml version="1.0" encoding="utf-8"?>
-<ds:datastoreItem xmlns:ds="http://schemas.openxmlformats.org/officeDocument/2006/customXml" ds:itemID="{0C6572ED-F221-4FBB-AA47-348FA0A96BFD}">
+<ds:datastoreItem xmlns:ds="http://schemas.openxmlformats.org/officeDocument/2006/customXml" ds:itemID="{DB16C309-910A-45C7-874E-1083F6DC6EB3}">
   <ds:schemaRefs>
-    <ds:schemaRef ds:uri="http://schemas.microsoft.com/sharepoint/v3/contenttype/forms"/>
+    <ds:schemaRef ds:uri="8fcf9416-4c9d-432a-8cd1-358b0ba3c56e"/>
+    <ds:schemaRef ds:uri="http://purl.org/dc/terms/"/>
+    <ds:schemaRef ds:uri="http://schemas.openxmlformats.org/package/2006/metadata/core-properties"/>
+    <ds:schemaRef ds:uri="http://purl.org/dc/dcmitype/"/>
+    <ds:schemaRef ds:uri="http://schemas.microsoft.com/office/infopath/2007/PartnerControls"/>
+    <ds:schemaRef ds:uri="http://schemas.microsoft.com/office/2006/documentManagement/types"/>
+    <ds:schemaRef ds:uri="http://schemas.microsoft.com/office/2006/metadata/properties"/>
+    <ds:schemaRef ds:uri="31348c50-4831-40d6-b1fe-33df22aaece1"/>
+    <ds:schemaRef ds:uri="http://www.w3.org/XML/1998/namespace"/>
+    <ds:schemaRef ds:uri="http://purl.org/dc/elements/1.1/"/>
   </ds:schemaRefs>
 </ds:datastoreItem>
 </file>